--- a/Presentation Powerpoint.pptx
+++ b/Presentation Powerpoint.pptx
@@ -109,6 +109,11 @@
       </a:defRPr>
     </a:lvl9pPr>
   </p:defaultTextStyle>
+  <p:extLst>
+    <p:ext uri="{EFAFB233-063F-42B5-8137-9DF3F51BA10A}">
+      <p15:sldGuideLst xmlns:p15="http://schemas.microsoft.com/office/powerpoint/2012/main"/>
+    </p:ext>
+  </p:extLst>
 </p:presentation>
 </file>
 
@@ -261,7 +266,7 @@
           <a:p>
             <a:fld id="{833B662F-8329-4E0C-9945-F4E54A3F052E}" type="datetimeFigureOut">
               <a:rPr lang="en-GB" smtClean="0"/>
-              <a:t>29/04/2024</a:t>
+              <a:t>30/04/2024</a:t>
             </a:fld>
             <a:endParaRPr lang="en-GB"/>
           </a:p>
@@ -461,7 +466,7 @@
           <a:p>
             <a:fld id="{833B662F-8329-4E0C-9945-F4E54A3F052E}" type="datetimeFigureOut">
               <a:rPr lang="en-GB" smtClean="0"/>
-              <a:t>29/04/2024</a:t>
+              <a:t>30/04/2024</a:t>
             </a:fld>
             <a:endParaRPr lang="en-GB"/>
           </a:p>
@@ -671,7 +676,7 @@
           <a:p>
             <a:fld id="{833B662F-8329-4E0C-9945-F4E54A3F052E}" type="datetimeFigureOut">
               <a:rPr lang="en-GB" smtClean="0"/>
-              <a:t>29/04/2024</a:t>
+              <a:t>30/04/2024</a:t>
             </a:fld>
             <a:endParaRPr lang="en-GB"/>
           </a:p>
@@ -871,7 +876,7 @@
           <a:p>
             <a:fld id="{833B662F-8329-4E0C-9945-F4E54A3F052E}" type="datetimeFigureOut">
               <a:rPr lang="en-GB" smtClean="0"/>
-              <a:t>29/04/2024</a:t>
+              <a:t>30/04/2024</a:t>
             </a:fld>
             <a:endParaRPr lang="en-GB"/>
           </a:p>
@@ -1147,7 +1152,7 @@
           <a:p>
             <a:fld id="{833B662F-8329-4E0C-9945-F4E54A3F052E}" type="datetimeFigureOut">
               <a:rPr lang="en-GB" smtClean="0"/>
-              <a:t>29/04/2024</a:t>
+              <a:t>30/04/2024</a:t>
             </a:fld>
             <a:endParaRPr lang="en-GB"/>
           </a:p>
@@ -1415,7 +1420,7 @@
           <a:p>
             <a:fld id="{833B662F-8329-4E0C-9945-F4E54A3F052E}" type="datetimeFigureOut">
               <a:rPr lang="en-GB" smtClean="0"/>
-              <a:t>29/04/2024</a:t>
+              <a:t>30/04/2024</a:t>
             </a:fld>
             <a:endParaRPr lang="en-GB"/>
           </a:p>
@@ -1830,7 +1835,7 @@
           <a:p>
             <a:fld id="{833B662F-8329-4E0C-9945-F4E54A3F052E}" type="datetimeFigureOut">
               <a:rPr lang="en-GB" smtClean="0"/>
-              <a:t>29/04/2024</a:t>
+              <a:t>30/04/2024</a:t>
             </a:fld>
             <a:endParaRPr lang="en-GB"/>
           </a:p>
@@ -1972,7 +1977,7 @@
           <a:p>
             <a:fld id="{833B662F-8329-4E0C-9945-F4E54A3F052E}" type="datetimeFigureOut">
               <a:rPr lang="en-GB" smtClean="0"/>
-              <a:t>29/04/2024</a:t>
+              <a:t>30/04/2024</a:t>
             </a:fld>
             <a:endParaRPr lang="en-GB"/>
           </a:p>
@@ -2085,7 +2090,7 @@
           <a:p>
             <a:fld id="{833B662F-8329-4E0C-9945-F4E54A3F052E}" type="datetimeFigureOut">
               <a:rPr lang="en-GB" smtClean="0"/>
-              <a:t>29/04/2024</a:t>
+              <a:t>30/04/2024</a:t>
             </a:fld>
             <a:endParaRPr lang="en-GB"/>
           </a:p>
@@ -2398,7 +2403,7 @@
           <a:p>
             <a:fld id="{833B662F-8329-4E0C-9945-F4E54A3F052E}" type="datetimeFigureOut">
               <a:rPr lang="en-GB" smtClean="0"/>
-              <a:t>29/04/2024</a:t>
+              <a:t>30/04/2024</a:t>
             </a:fld>
             <a:endParaRPr lang="en-GB"/>
           </a:p>
@@ -2687,7 +2692,7 @@
           <a:p>
             <a:fld id="{833B662F-8329-4E0C-9945-F4E54A3F052E}" type="datetimeFigureOut">
               <a:rPr lang="en-GB" smtClean="0"/>
-              <a:t>29/04/2024</a:t>
+              <a:t>30/04/2024</a:t>
             </a:fld>
             <a:endParaRPr lang="en-GB"/>
           </a:p>
@@ -2930,7 +2935,7 @@
           <a:p>
             <a:fld id="{833B662F-8329-4E0C-9945-F4E54A3F052E}" type="datetimeFigureOut">
               <a:rPr lang="en-GB" smtClean="0"/>
-              <a:t>29/04/2024</a:t>
+              <a:t>30/04/2024</a:t>
             </a:fld>
             <a:endParaRPr lang="en-GB"/>
           </a:p>
@@ -3376,7 +3381,13 @@
           <a:lstStyle/>
           <a:p>
             <a:r>
-              <a:rPr lang="en-GB" dirty="0"/>
+              <a:rPr lang="en-GB" dirty="0">
+                <a:solidFill>
+                  <a:schemeClr val="accent1">
+                    <a:lumMod val="75000"/>
+                  </a:schemeClr>
+                </a:solidFill>
+              </a:rPr>
               <a:t>Development of an Online Tool for the Creation and Analysis of Feature Models for Software Product Lines</a:t>
             </a:r>
           </a:p>
@@ -3409,24 +3420,48 @@
           <a:lstStyle/>
           <a:p>
             <a:r>
-              <a:rPr lang="en-GB" dirty="0"/>
+              <a:rPr lang="en-GB" dirty="0">
+                <a:solidFill>
+                  <a:schemeClr val="accent1">
+                    <a:lumMod val="75000"/>
+                  </a:schemeClr>
+                </a:solidFill>
+              </a:rPr>
               <a:t>Harry Scutt</a:t>
             </a:r>
           </a:p>
           <a:p>
             <a:r>
-              <a:rPr lang="en-GB" dirty="0"/>
+              <a:rPr lang="en-GB" dirty="0">
+                <a:solidFill>
+                  <a:schemeClr val="accent1">
+                    <a:lumMod val="75000"/>
+                  </a:schemeClr>
+                </a:solidFill>
+              </a:rPr>
               <a:t>Supervisor: Dr José Miguel Rojas</a:t>
             </a:r>
           </a:p>
           <a:p>
             <a:r>
-              <a:rPr lang="en-GB" dirty="0"/>
+              <a:rPr lang="en-GB" dirty="0">
+                <a:solidFill>
+                  <a:schemeClr val="accent1">
+                    <a:lumMod val="75000"/>
+                  </a:schemeClr>
+                </a:solidFill>
+              </a:rPr>
               <a:t>COM3610 Dissertation Project</a:t>
             </a:r>
           </a:p>
           <a:p>
-            <a:endParaRPr lang="en-GB" dirty="0"/>
+            <a:endParaRPr lang="en-GB" dirty="0">
+              <a:solidFill>
+                <a:schemeClr val="accent1">
+                  <a:lumMod val="75000"/>
+                </a:schemeClr>
+              </a:solidFill>
+            </a:endParaRPr>
           </a:p>
         </p:txBody>
       </p:sp>
@@ -3487,7 +3522,12 @@
           <a:lstStyle/>
           <a:p>
             <a:r>
-              <a:rPr lang="en-GB" b="0" dirty="0">
+              <a:rPr lang="en-GB" dirty="0">
+                <a:solidFill>
+                  <a:schemeClr val="accent1">
+                    <a:lumMod val="75000"/>
+                  </a:schemeClr>
+                </a:solidFill>
                 <a:latin typeface="+mj-lt"/>
               </a:rPr>
               <a:t>Software Product Lines:</a:t>
@@ -3514,7 +3554,7 @@
         <p:spPr>
           <a:xfrm>
             <a:off x="839788" y="1720376"/>
-            <a:ext cx="3855429" cy="4469287"/>
+            <a:ext cx="3909193" cy="4469287"/>
           </a:xfrm>
         </p:spPr>
         <p:txBody>
@@ -3528,8 +3568,14 @@
               <a:buChar char="•"/>
             </a:pPr>
             <a:r>
-              <a:rPr lang="en-GB" sz="1600" dirty="0"/>
-              <a:t>Describe a family of similar systems</a:t>
+              <a:rPr lang="en-GB" sz="1600" dirty="0">
+                <a:solidFill>
+                  <a:schemeClr val="accent1">
+                    <a:lumMod val="75000"/>
+                  </a:schemeClr>
+                </a:solidFill>
+              </a:rPr>
+              <a:t>Describe a family of similar systems.</a:t>
             </a:r>
           </a:p>
           <a:p>
@@ -3538,8 +3584,14 @@
               <a:buChar char="•"/>
             </a:pPr>
             <a:r>
-              <a:rPr lang="en-GB" sz="1600" dirty="0"/>
-              <a:t>Systems comprise of modular components that can be configured to fit needs</a:t>
+              <a:rPr lang="en-GB" sz="1600" dirty="0">
+                <a:solidFill>
+                  <a:schemeClr val="accent1">
+                    <a:lumMod val="75000"/>
+                  </a:schemeClr>
+                </a:solidFill>
+              </a:rPr>
+              <a:t>Systems comprise of modular components that can be configured to fit needs.</a:t>
             </a:r>
           </a:p>
           <a:p>
@@ -3548,8 +3600,14 @@
               <a:buChar char="•"/>
             </a:pPr>
             <a:r>
-              <a:rPr lang="en-GB" sz="1600" dirty="0"/>
-              <a:t>Help reduce development time and lifecycle costs</a:t>
+              <a:rPr lang="en-GB" sz="1600" dirty="0">
+                <a:solidFill>
+                  <a:schemeClr val="accent1">
+                    <a:lumMod val="75000"/>
+                  </a:schemeClr>
+                </a:solidFill>
+              </a:rPr>
+              <a:t>Help reduce development time and lifecycle costs.</a:t>
             </a:r>
           </a:p>
           <a:p>
@@ -3558,8 +3616,14 @@
               <a:buChar char="•"/>
             </a:pPr>
             <a:r>
-              <a:rPr lang="en-GB" sz="1600" dirty="0"/>
-              <a:t>Emphasise reusability and robustness</a:t>
+              <a:rPr lang="en-GB" sz="1600" dirty="0">
+                <a:solidFill>
+                  <a:schemeClr val="accent1">
+                    <a:lumMod val="75000"/>
+                  </a:schemeClr>
+                </a:solidFill>
+              </a:rPr>
+              <a:t>Emphasise reusability and robustness.</a:t>
             </a:r>
           </a:p>
           <a:p>
@@ -3568,8 +3632,14 @@
               <a:buChar char="•"/>
             </a:pPr>
             <a:r>
-              <a:rPr lang="en-GB" sz="1600" dirty="0"/>
-              <a:t>Can reduce frequency of bugs in a software family</a:t>
+              <a:rPr lang="en-GB" sz="1600" dirty="0">
+                <a:solidFill>
+                  <a:schemeClr val="accent1">
+                    <a:lumMod val="75000"/>
+                  </a:schemeClr>
+                </a:solidFill>
+              </a:rPr>
+              <a:t>Can reduce frequency of bugs in a software family.</a:t>
             </a:r>
           </a:p>
           <a:p>
@@ -3578,8 +3648,14 @@
               <a:buChar char="•"/>
             </a:pPr>
             <a:r>
-              <a:rPr lang="en-GB" sz="1600" dirty="0"/>
-              <a:t>Leads to increased developer productivity</a:t>
+              <a:rPr lang="en-GB" sz="1600" dirty="0">
+                <a:solidFill>
+                  <a:schemeClr val="accent1">
+                    <a:lumMod val="75000"/>
+                  </a:schemeClr>
+                </a:solidFill>
+              </a:rPr>
+              <a:t>Leads to increased developer productivity.</a:t>
             </a:r>
           </a:p>
           <a:p>
@@ -3588,8 +3664,14 @@
               <a:buChar char="•"/>
             </a:pPr>
             <a:r>
-              <a:rPr lang="en-GB" sz="1600" dirty="0"/>
-              <a:t>Product lines often represented as a Feature Model (right)</a:t>
+              <a:rPr lang="en-GB" sz="1600" dirty="0">
+                <a:solidFill>
+                  <a:schemeClr val="accent1">
+                    <a:lumMod val="75000"/>
+                  </a:schemeClr>
+                </a:solidFill>
+              </a:rPr>
+              <a:t>Product lines often represented as a Feature Model (right).</a:t>
             </a:r>
           </a:p>
         </p:txBody>
@@ -3621,7 +3703,12 @@
           <a:lstStyle/>
           <a:p>
             <a:r>
-              <a:rPr lang="en-GB" b="0" dirty="0">
+              <a:rPr lang="en-GB" dirty="0">
+                <a:solidFill>
+                  <a:schemeClr val="accent1">
+                    <a:lumMod val="75000"/>
+                  </a:schemeClr>
+                </a:solidFill>
                 <a:latin typeface="+mj-lt"/>
               </a:rPr>
               <a:t>Feature Models:</a:t>
@@ -3662,8 +3749,14 @@
               <a:buChar char="•"/>
             </a:pPr>
             <a:r>
-              <a:rPr lang="en-GB" sz="1600" dirty="0"/>
-              <a:t>Help clearly communicate the relationships and constraints between components</a:t>
+              <a:rPr lang="en-GB" sz="1600" dirty="0">
+                <a:solidFill>
+                  <a:schemeClr val="accent1">
+                    <a:lumMod val="75000"/>
+                  </a:schemeClr>
+                </a:solidFill>
+              </a:rPr>
+              <a:t>Help clearly communicate the relationships and constraints between components.</a:t>
             </a:r>
           </a:p>
           <a:p>
@@ -3672,8 +3765,14 @@
               <a:buChar char="•"/>
             </a:pPr>
             <a:r>
-              <a:rPr lang="en-GB" sz="1600" dirty="0"/>
-              <a:t>Enable simple visual check for completeness</a:t>
+              <a:rPr lang="en-GB" sz="1600" dirty="0">
+                <a:solidFill>
+                  <a:schemeClr val="accent1">
+                    <a:lumMod val="75000"/>
+                  </a:schemeClr>
+                </a:solidFill>
+              </a:rPr>
+              <a:t>Enable simple visual check for completeness.</a:t>
             </a:r>
           </a:p>
           <a:p>
@@ -3682,8 +3781,14 @@
               <a:buChar char="•"/>
             </a:pPr>
             <a:r>
-              <a:rPr lang="en-GB" sz="1600" dirty="0"/>
-              <a:t>Reduce the level of technical knowledge required to understand the product family – suitable for clients</a:t>
+              <a:rPr lang="en-GB" sz="1600" dirty="0">
+                <a:solidFill>
+                  <a:schemeClr val="accent1">
+                    <a:lumMod val="75000"/>
+                  </a:schemeClr>
+                </a:solidFill>
+              </a:rPr>
+              <a:t>Reduce the level of technical knowledge required to understand the product family – suitable for clients.</a:t>
             </a:r>
           </a:p>
           <a:p>
@@ -3692,8 +3797,14 @@
               <a:buChar char="•"/>
             </a:pPr>
             <a:r>
-              <a:rPr lang="en-GB" sz="1600" dirty="0"/>
-              <a:t>Enable analysis to be run on a product line, providing insight into the scope of a product family</a:t>
+              <a:rPr lang="en-GB" sz="1600" dirty="0">
+                <a:solidFill>
+                  <a:schemeClr val="accent1">
+                    <a:lumMod val="75000"/>
+                  </a:schemeClr>
+                </a:solidFill>
+              </a:rPr>
+              <a:t>Enable analysis to be run on a product line, providing insight into the scope of a product family.</a:t>
             </a:r>
           </a:p>
           <a:p>
@@ -3701,10 +3812,22 @@
               <a:buFont typeface="Arial" panose="020B0604020202020204" pitchFamily="34" charset="0"/>
               <a:buChar char="•"/>
             </a:pPr>
-            <a:endParaRPr lang="en-GB" sz="1600" dirty="0"/>
-          </a:p>
-          <a:p>
-            <a:endParaRPr lang="en-GB" sz="1600" dirty="0"/>
+            <a:endParaRPr lang="en-GB" sz="1600" dirty="0">
+              <a:solidFill>
+                <a:schemeClr val="accent1">
+                  <a:lumMod val="75000"/>
+                </a:schemeClr>
+              </a:solidFill>
+            </a:endParaRPr>
+          </a:p>
+          <a:p>
+            <a:endParaRPr lang="en-GB" sz="1600" dirty="0">
+              <a:solidFill>
+                <a:schemeClr val="accent1">
+                  <a:lumMod val="75000"/>
+                </a:schemeClr>
+              </a:solidFill>
+            </a:endParaRPr>
           </a:p>
         </p:txBody>
       </p:sp>
@@ -3755,6 +3878,90 @@
           </a:extLst>
         </p:spPr>
       </p:pic>
+      <p:sp>
+        <p:nvSpPr>
+          <p:cNvPr id="2" name="Title 1">
+            <a:extLst>
+              <a:ext uri="{FF2B5EF4-FFF2-40B4-BE49-F238E27FC236}">
+                <a16:creationId xmlns:a16="http://schemas.microsoft.com/office/drawing/2014/main" id="{3D499058-FC3C-C560-4223-1FA283A32004}"/>
+              </a:ext>
+            </a:extLst>
+          </p:cNvPr>
+          <p:cNvSpPr>
+            <a:spLocks noGrp="1"/>
+          </p:cNvSpPr>
+          <p:nvPr>
+            <p:ph type="title"/>
+          </p:nvPr>
+        </p:nvSpPr>
+        <p:spPr>
+          <a:xfrm>
+            <a:off x="838200" y="365126"/>
+            <a:ext cx="10515600" cy="776253"/>
+          </a:xfrm>
+        </p:spPr>
+        <p:txBody>
+          <a:bodyPr>
+            <a:normAutofit/>
+          </a:bodyPr>
+          <a:lstStyle/>
+          <a:p>
+            <a:r>
+              <a:rPr lang="en-GB" sz="2800" b="1" dirty="0">
+                <a:solidFill>
+                  <a:schemeClr val="accent1">
+                    <a:lumMod val="75000"/>
+                  </a:schemeClr>
+                </a:solidFill>
+                <a:ea typeface="+mn-ea"/>
+                <a:cs typeface="+mn-cs"/>
+              </a:rPr>
+              <a:t>Technical Background:</a:t>
+            </a:r>
+          </a:p>
+        </p:txBody>
+      </p:sp>
+      <p:sp>
+        <p:nvSpPr>
+          <p:cNvPr id="7" name="TextBox 6">
+            <a:extLst>
+              <a:ext uri="{FF2B5EF4-FFF2-40B4-BE49-F238E27FC236}">
+                <a16:creationId xmlns:a16="http://schemas.microsoft.com/office/drawing/2014/main" id="{7016AFF0-DC77-F638-7CE4-C9AAB59AA620}"/>
+              </a:ext>
+            </a:extLst>
+          </p:cNvPr>
+          <p:cNvSpPr txBox="1"/>
+          <p:nvPr/>
+        </p:nvSpPr>
+        <p:spPr>
+          <a:xfrm>
+            <a:off x="6591751" y="6487108"/>
+            <a:ext cx="4331888" cy="253916"/>
+          </a:xfrm>
+          <a:prstGeom prst="rect">
+            <a:avLst/>
+          </a:prstGeom>
+          <a:noFill/>
+        </p:spPr>
+        <p:txBody>
+          <a:bodyPr wrap="square" rtlCol="0">
+            <a:spAutoFit/>
+          </a:bodyPr>
+          <a:lstStyle/>
+          <a:p>
+            <a:r>
+              <a:rPr lang="en-GB" sz="1050" dirty="0">
+                <a:solidFill>
+                  <a:schemeClr val="accent1">
+                    <a:lumMod val="75000"/>
+                  </a:schemeClr>
+                </a:solidFill>
+              </a:rPr>
+              <a:t>Simple E-Shop to demonstrate the language of feature model diagrams.</a:t>
+            </a:r>
+          </a:p>
+        </p:txBody>
+      </p:sp>
     </p:spTree>
     <p:extLst>
       <p:ext uri="{BB962C8B-B14F-4D97-AF65-F5344CB8AC3E}">
@@ -3814,22 +4021,38 @@
           <a:lstStyle/>
           <a:p>
             <a:r>
-              <a:rPr lang="en-GB" sz="2800" dirty="0">
+              <a:rPr lang="en-GB" sz="2800" b="1" dirty="0">
+                <a:solidFill>
+                  <a:schemeClr val="accent1">
+                    <a:lumMod val="75000"/>
+                  </a:schemeClr>
+                </a:solidFill>
                 <a:ea typeface="+mn-ea"/>
                 <a:cs typeface="+mn-cs"/>
               </a:rPr>
               <a:t>Existing</a:t>
             </a:r>
             <a:r>
-              <a:rPr lang="en-GB" sz="4800" dirty="0"/>
+              <a:rPr lang="en-GB" sz="4800" b="1" dirty="0">
+                <a:solidFill>
+                  <a:schemeClr val="accent1">
+                    <a:lumMod val="75000"/>
+                  </a:schemeClr>
+                </a:solidFill>
+              </a:rPr>
               <a:t> </a:t>
             </a:r>
             <a:r>
-              <a:rPr lang="en-GB" sz="2800" dirty="0">
+              <a:rPr lang="en-GB" sz="2800" b="1" dirty="0">
+                <a:solidFill>
+                  <a:schemeClr val="accent1">
+                    <a:lumMod val="75000"/>
+                  </a:schemeClr>
+                </a:solidFill>
                 <a:ea typeface="+mn-ea"/>
                 <a:cs typeface="+mn-cs"/>
               </a:rPr>
-              <a:t>Solutions</a:t>
+              <a:t>Solutions:</a:t>
             </a:r>
           </a:p>
         </p:txBody>
@@ -3866,44 +4089,85 @@
               <a:buNone/>
             </a:pPr>
             <a:r>
-              <a:rPr lang="en-GB" sz="2400" dirty="0">
+              <a:rPr lang="en-GB" sz="2400" b="1" dirty="0">
+                <a:solidFill>
+                  <a:schemeClr val="accent1">
+                    <a:lumMod val="75000"/>
+                  </a:schemeClr>
+                </a:solidFill>
                 <a:latin typeface="+mj-lt"/>
               </a:rPr>
               <a:t>SPLOT</a:t>
             </a:r>
             <a:r>
-              <a:rPr lang="en-GB" dirty="0"/>
+              <a:rPr lang="en-GB" b="1" dirty="0">
+                <a:solidFill>
+                  <a:schemeClr val="accent1">
+                    <a:lumMod val="75000"/>
+                  </a:schemeClr>
+                </a:solidFill>
+              </a:rPr>
               <a:t>:</a:t>
             </a:r>
           </a:p>
           <a:p>
             <a:r>
-              <a:rPr lang="en-GB" sz="1600" dirty="0"/>
-              <a:t>Most popular solution</a:t>
-            </a:r>
-          </a:p>
-          <a:p>
-            <a:r>
-              <a:rPr lang="en-GB" sz="1600" dirty="0"/>
-              <a:t>Features large database of feature models</a:t>
-            </a:r>
-          </a:p>
-          <a:p>
-            <a:r>
-              <a:rPr lang="en-GB" sz="1600" dirty="0"/>
-              <a:t>Unintuitive and clunky to use</a:t>
-            </a:r>
-          </a:p>
-          <a:p>
-            <a:r>
-              <a:rPr lang="en-GB" sz="1600" dirty="0"/>
-              <a:t>Hasn’t been maintained since ~2015</a:t>
-            </a:r>
-          </a:p>
-          <a:p>
-            <a:r>
-              <a:rPr lang="en-GB" sz="1600" dirty="0"/>
-              <a:t>Web-based</a:t>
+              <a:rPr lang="en-GB" sz="1600" dirty="0">
+                <a:solidFill>
+                  <a:schemeClr val="accent1">
+                    <a:lumMod val="75000"/>
+                  </a:schemeClr>
+                </a:solidFill>
+              </a:rPr>
+              <a:t>Most popular solution.</a:t>
+            </a:r>
+          </a:p>
+          <a:p>
+            <a:r>
+              <a:rPr lang="en-GB" sz="1600" dirty="0">
+                <a:solidFill>
+                  <a:schemeClr val="accent1">
+                    <a:lumMod val="75000"/>
+                  </a:schemeClr>
+                </a:solidFill>
+              </a:rPr>
+              <a:t>Features large database of feature models.</a:t>
+            </a:r>
+          </a:p>
+          <a:p>
+            <a:r>
+              <a:rPr lang="en-GB" sz="1600" dirty="0">
+                <a:solidFill>
+                  <a:schemeClr val="accent1">
+                    <a:lumMod val="75000"/>
+                  </a:schemeClr>
+                </a:solidFill>
+              </a:rPr>
+              <a:t>Unintuitive and clunky to use.</a:t>
+            </a:r>
+          </a:p>
+          <a:p>
+            <a:r>
+              <a:rPr lang="en-GB" sz="1600" dirty="0">
+                <a:solidFill>
+                  <a:schemeClr val="accent1">
+                    <a:lumMod val="75000"/>
+                  </a:schemeClr>
+                </a:solidFill>
+              </a:rPr>
+              <a:t>Hasn’t been maintained since ~2015.</a:t>
+            </a:r>
+          </a:p>
+          <a:p>
+            <a:r>
+              <a:rPr lang="en-GB" sz="1600" dirty="0">
+                <a:solidFill>
+                  <a:schemeClr val="accent1">
+                    <a:lumMod val="75000"/>
+                  </a:schemeClr>
+                </a:solidFill>
+              </a:rPr>
+              <a:t>Web-based.</a:t>
             </a:r>
           </a:p>
         </p:txBody>
@@ -4105,44 +4369,85 @@
               <a:buNone/>
             </a:pPr>
             <a:r>
-              <a:rPr lang="en-GB" sz="2600" dirty="0" err="1">
+              <a:rPr lang="en-GB" sz="2600" b="1" dirty="0" err="1">
+                <a:solidFill>
+                  <a:schemeClr val="accent1">
+                    <a:lumMod val="75000"/>
+                  </a:schemeClr>
+                </a:solidFill>
                 <a:latin typeface="+mj-lt"/>
               </a:rPr>
               <a:t>FeatureIDE</a:t>
             </a:r>
             <a:r>
-              <a:rPr lang="en-GB" sz="3000" dirty="0"/>
+              <a:rPr lang="en-GB" sz="3000" b="1" dirty="0">
+                <a:solidFill>
+                  <a:schemeClr val="accent1">
+                    <a:lumMod val="75000"/>
+                  </a:schemeClr>
+                </a:solidFill>
+              </a:rPr>
               <a:t>:</a:t>
             </a:r>
           </a:p>
           <a:p>
             <a:r>
-              <a:rPr lang="en-GB" sz="1700" dirty="0"/>
-              <a:t>Tailored to developers</a:t>
-            </a:r>
-          </a:p>
-          <a:p>
-            <a:r>
-              <a:rPr lang="en-GB" sz="1700" dirty="0"/>
-              <a:t>Enables the generation of software from a product configuration</a:t>
-            </a:r>
-          </a:p>
-          <a:p>
-            <a:r>
-              <a:rPr lang="en-GB" sz="1700" dirty="0"/>
-              <a:t>More intuitive, but more difficult to access</a:t>
-            </a:r>
-          </a:p>
-          <a:p>
-            <a:r>
-              <a:rPr lang="en-GB" sz="1700" dirty="0"/>
-              <a:t>Diagrammatic representation of model</a:t>
-            </a:r>
-          </a:p>
-          <a:p>
-            <a:r>
-              <a:rPr lang="en-GB" sz="1700" dirty="0"/>
-              <a:t>Eclipse IDE extension</a:t>
+              <a:rPr lang="en-GB" sz="1700" dirty="0">
+                <a:solidFill>
+                  <a:schemeClr val="accent1">
+                    <a:lumMod val="75000"/>
+                  </a:schemeClr>
+                </a:solidFill>
+              </a:rPr>
+              <a:t>Tailored to developers.</a:t>
+            </a:r>
+          </a:p>
+          <a:p>
+            <a:r>
+              <a:rPr lang="en-GB" sz="1700" dirty="0">
+                <a:solidFill>
+                  <a:schemeClr val="accent1">
+                    <a:lumMod val="75000"/>
+                  </a:schemeClr>
+                </a:solidFill>
+              </a:rPr>
+              <a:t>Enables the generation of software from a product configuration.</a:t>
+            </a:r>
+          </a:p>
+          <a:p>
+            <a:r>
+              <a:rPr lang="en-GB" sz="1700" dirty="0">
+                <a:solidFill>
+                  <a:schemeClr val="accent1">
+                    <a:lumMod val="75000"/>
+                  </a:schemeClr>
+                </a:solidFill>
+              </a:rPr>
+              <a:t>More intuitive, but more difficult to access.</a:t>
+            </a:r>
+          </a:p>
+          <a:p>
+            <a:r>
+              <a:rPr lang="en-GB" sz="1700" dirty="0">
+                <a:solidFill>
+                  <a:schemeClr val="accent1">
+                    <a:lumMod val="75000"/>
+                  </a:schemeClr>
+                </a:solidFill>
+              </a:rPr>
+              <a:t>Diagrammatic representation of model.</a:t>
+            </a:r>
+          </a:p>
+          <a:p>
+            <a:r>
+              <a:rPr lang="en-GB" sz="1700" dirty="0">
+                <a:solidFill>
+                  <a:schemeClr val="accent1">
+                    <a:lumMod val="75000"/>
+                  </a:schemeClr>
+                </a:solidFill>
+              </a:rPr>
+              <a:t>Eclipse IDE extension.</a:t>
             </a:r>
           </a:p>
         </p:txBody>
@@ -4198,7 +4503,7 @@
         <p:spPr>
           <a:xfrm>
             <a:off x="1036400" y="6085582"/>
-            <a:ext cx="3754877" cy="261610"/>
+            <a:ext cx="3820735" cy="261610"/>
           </a:xfrm>
           <a:prstGeom prst="rect">
             <a:avLst/>
@@ -4212,8 +4517,14 @@
           <a:lstStyle/>
           <a:p>
             <a:r>
-              <a:rPr lang="en-GB" sz="1100" dirty="0"/>
-              <a:t>E-Shop diagram from the previous slide recreated in SPLOT</a:t>
+              <a:rPr lang="en-GB" sz="1100" dirty="0">
+                <a:solidFill>
+                  <a:schemeClr val="accent1">
+                    <a:lumMod val="75000"/>
+                  </a:schemeClr>
+                </a:solidFill>
+              </a:rPr>
+              <a:t>E-Shop diagram from the previous slide recreated in SPLOT.</a:t>
             </a:r>
           </a:p>
         </p:txBody>
@@ -4283,8 +4594,34 @@
           <a:lstStyle/>
           <a:p>
             <a:r>
-              <a:rPr lang="en-GB" sz="1100" dirty="0"/>
-              <a:t>E-Shop diagram from the previous slide recreated in Feature IDE</a:t>
+              <a:rPr lang="en-GB" sz="1100" dirty="0">
+                <a:solidFill>
+                  <a:schemeClr val="accent1">
+                    <a:lumMod val="75000"/>
+                  </a:schemeClr>
+                </a:solidFill>
+              </a:rPr>
+              <a:t>E-Shop diagram from the previous slide recreated in </a:t>
+            </a:r>
+            <a:r>
+              <a:rPr lang="en-GB" sz="1100" dirty="0" err="1">
+                <a:solidFill>
+                  <a:schemeClr val="accent1">
+                    <a:lumMod val="75000"/>
+                  </a:schemeClr>
+                </a:solidFill>
+              </a:rPr>
+              <a:t>FeatureIDE</a:t>
+            </a:r>
+            <a:r>
+              <a:rPr lang="en-GB" sz="1100" dirty="0">
+                <a:solidFill>
+                  <a:schemeClr val="accent1">
+                    <a:lumMod val="75000"/>
+                  </a:schemeClr>
+                </a:solidFill>
+              </a:rPr>
+              <a:t>.</a:t>
             </a:r>
           </a:p>
         </p:txBody>
@@ -4337,8 +4674,8 @@
         </p:nvSpPr>
         <p:spPr>
           <a:xfrm>
-            <a:off x="839788" y="457200"/>
-            <a:ext cx="4490969" cy="1600200"/>
+            <a:off x="839788" y="580312"/>
+            <a:ext cx="5069399" cy="769374"/>
           </a:xfrm>
         </p:spPr>
         <p:txBody>
@@ -4346,7 +4683,13 @@
           <a:lstStyle/>
           <a:p>
             <a:r>
-              <a:rPr lang="en-GB" dirty="0"/>
+              <a:rPr lang="en-GB" b="1" dirty="0">
+                <a:solidFill>
+                  <a:schemeClr val="accent1">
+                    <a:lumMod val="75000"/>
+                  </a:schemeClr>
+                </a:solidFill>
+              </a:rPr>
               <a:t>Software Products Online:</a:t>
             </a:r>
           </a:p>
@@ -4368,7 +4711,12 @@
             <p:ph type="body" sz="half" idx="2"/>
           </p:nvPr>
         </p:nvSpPr>
-        <p:spPr/>
+        <p:spPr>
+          <a:xfrm>
+            <a:off x="871707" y="1523206"/>
+            <a:ext cx="3932237" cy="3811588"/>
+          </a:xfrm>
+        </p:spPr>
         <p:txBody>
           <a:bodyPr/>
           <a:lstStyle/>
@@ -4378,8 +4726,14 @@
               <a:buChar char="•"/>
             </a:pPr>
             <a:r>
-              <a:rPr lang="en-GB" dirty="0"/>
-              <a:t>Intuitive diagram builder</a:t>
+              <a:rPr lang="en-GB" dirty="0">
+                <a:solidFill>
+                  <a:schemeClr val="accent1">
+                    <a:lumMod val="75000"/>
+                  </a:schemeClr>
+                </a:solidFill>
+              </a:rPr>
+              <a:t>Intuitive diagram builder.</a:t>
             </a:r>
           </a:p>
           <a:p>
@@ -4388,8 +4742,14 @@
               <a:buChar char="•"/>
             </a:pPr>
             <a:r>
-              <a:rPr lang="en-GB" dirty="0"/>
-              <a:t>Easily accessible web application</a:t>
+              <a:rPr lang="en-GB" dirty="0">
+                <a:solidFill>
+                  <a:schemeClr val="accent1">
+                    <a:lumMod val="75000"/>
+                  </a:schemeClr>
+                </a:solidFill>
+              </a:rPr>
+              <a:t>Easily accessible Ruby-on-Rails web application.</a:t>
             </a:r>
           </a:p>
           <a:p>
@@ -4398,8 +4758,14 @@
               <a:buChar char="•"/>
             </a:pPr>
             <a:r>
-              <a:rPr lang="en-GB" dirty="0"/>
-              <a:t>Can use as guest or member</a:t>
+              <a:rPr lang="en-GB" dirty="0">
+                <a:solidFill>
+                  <a:schemeClr val="accent1">
+                    <a:lumMod val="75000"/>
+                  </a:schemeClr>
+                </a:solidFill>
+              </a:rPr>
+              <a:t>Can use as guest or member.</a:t>
             </a:r>
           </a:p>
           <a:p>
@@ -4408,8 +4774,14 @@
               <a:buChar char="•"/>
             </a:pPr>
             <a:r>
-              <a:rPr lang="en-GB" dirty="0"/>
-              <a:t>Integrated feature model sharing</a:t>
+              <a:rPr lang="en-GB" dirty="0">
+                <a:solidFill>
+                  <a:schemeClr val="accent1">
+                    <a:lumMod val="75000"/>
+                  </a:schemeClr>
+                </a:solidFill>
+              </a:rPr>
+              <a:t>Integrated feature model sharing.</a:t>
             </a:r>
           </a:p>
           <a:p>
@@ -4418,8 +4790,14 @@
               <a:buChar char="•"/>
             </a:pPr>
             <a:r>
-              <a:rPr lang="en-GB" dirty="0"/>
-              <a:t>Feature model analysis</a:t>
+              <a:rPr lang="en-GB" dirty="0">
+                <a:solidFill>
+                  <a:schemeClr val="accent1">
+                    <a:lumMod val="75000"/>
+                  </a:schemeClr>
+                </a:solidFill>
+              </a:rPr>
+              <a:t>Feature model analysis.</a:t>
             </a:r>
           </a:p>
           <a:p>
@@ -4428,8 +4806,14 @@
               <a:buChar char="•"/>
             </a:pPr>
             <a:r>
-              <a:rPr lang="en-GB" dirty="0"/>
-              <a:t>Export models as SVG, JPEG, or JSON for sharing outside the application</a:t>
+              <a:rPr lang="en-GB" dirty="0">
+                <a:solidFill>
+                  <a:schemeClr val="accent1">
+                    <a:lumMod val="75000"/>
+                  </a:schemeClr>
+                </a:solidFill>
+              </a:rPr>
+              <a:t>Export models as SVG, JPEG, or JSON for sharing outside the application.</a:t>
             </a:r>
           </a:p>
         </p:txBody>
@@ -4461,7 +4845,7 @@
         </p:blipFill>
         <p:spPr>
           <a:xfrm>
-            <a:off x="4783875" y="2169694"/>
+            <a:off x="4740105" y="1879648"/>
             <a:ext cx="7336625" cy="3770630"/>
           </a:xfrm>
           <a:prstGeom prst="rect">
@@ -4496,8 +4880,8 @@
         </p:blipFill>
         <p:spPr>
           <a:xfrm>
-            <a:off x="1137596" y="4466791"/>
-            <a:ext cx="3343612" cy="1473532"/>
+            <a:off x="968703" y="4312303"/>
+            <a:ext cx="3674406" cy="1619313"/>
           </a:xfrm>
           <a:prstGeom prst="rect">
             <a:avLst/>
@@ -4518,8 +4902,8 @@
         </p:nvSpPr>
         <p:spPr>
           <a:xfrm>
-            <a:off x="871707" y="5965761"/>
-            <a:ext cx="3868398" cy="261610"/>
+            <a:off x="807868" y="6023772"/>
+            <a:ext cx="3932237" cy="253916"/>
           </a:xfrm>
           <a:prstGeom prst="rect">
             <a:avLst/>
@@ -4533,8 +4917,55 @@
           <a:lstStyle/>
           <a:p>
             <a:r>
-              <a:rPr lang="en-GB" sz="1050" dirty="0"/>
-              <a:t>E-Shop diagram from the first slide exported as a JPEG from SPO</a:t>
+              <a:rPr lang="en-GB" sz="1050" dirty="0">
+                <a:solidFill>
+                  <a:schemeClr val="accent1">
+                    <a:lumMod val="75000"/>
+                  </a:schemeClr>
+                </a:solidFill>
+              </a:rPr>
+              <a:t>E-Shop diagram from the first slide exported as a JPEG from SPO.</a:t>
+            </a:r>
+          </a:p>
+        </p:txBody>
+      </p:sp>
+      <p:sp>
+        <p:nvSpPr>
+          <p:cNvPr id="3" name="TextBox 2">
+            <a:extLst>
+              <a:ext uri="{FF2B5EF4-FFF2-40B4-BE49-F238E27FC236}">
+                <a16:creationId xmlns:a16="http://schemas.microsoft.com/office/drawing/2014/main" id="{A496513F-8792-A057-DB36-73F257E103AB}"/>
+              </a:ext>
+            </a:extLst>
+          </p:cNvPr>
+          <p:cNvSpPr txBox="1"/>
+          <p:nvPr/>
+        </p:nvSpPr>
+        <p:spPr>
+          <a:xfrm>
+            <a:off x="6125585" y="5670632"/>
+            <a:ext cx="4565663" cy="253916"/>
+          </a:xfrm>
+          <a:prstGeom prst="rect">
+            <a:avLst/>
+          </a:prstGeom>
+          <a:noFill/>
+        </p:spPr>
+        <p:txBody>
+          <a:bodyPr wrap="square" rtlCol="0">
+            <a:spAutoFit/>
+          </a:bodyPr>
+          <a:lstStyle/>
+          <a:p>
+            <a:r>
+              <a:rPr lang="en-GB" sz="1050" dirty="0">
+                <a:solidFill>
+                  <a:schemeClr val="accent1">
+                    <a:lumMod val="75000"/>
+                  </a:schemeClr>
+                </a:solidFill>
+              </a:rPr>
+              <a:t>Screenshot of an E-Shop system being edited in SPOs feature model builder.</a:t>
             </a:r>
           </a:p>
         </p:txBody>
@@ -4617,7 +5048,12 @@
           </a:lstStyle>
           <a:p>
             <a:r>
-              <a:rPr lang="en-GB" sz="2800" dirty="0">
+              <a:rPr lang="en-GB" sz="2800" b="1" dirty="0">
+                <a:solidFill>
+                  <a:schemeClr val="accent1">
+                    <a:lumMod val="75000"/>
+                  </a:schemeClr>
+                </a:solidFill>
                 <a:ea typeface="+mn-ea"/>
                 <a:cs typeface="+mn-cs"/>
               </a:rPr>
@@ -4654,7 +5090,7 @@
         </p:blipFill>
         <p:spPr>
           <a:xfrm>
-            <a:off x="570689" y="1355384"/>
+            <a:off x="442872" y="1355384"/>
             <a:ext cx="5627540" cy="1964988"/>
           </a:xfrm>
           <a:prstGeom prst="rect">
@@ -4690,7 +5126,7 @@
         </p:blipFill>
         <p:spPr>
           <a:xfrm>
-            <a:off x="6407285" y="1427325"/>
+            <a:off x="6279468" y="1427325"/>
             <a:ext cx="5627540" cy="1821105"/>
           </a:xfrm>
           <a:prstGeom prst="rect">
@@ -4726,7 +5162,7 @@
         </p:blipFill>
         <p:spPr>
           <a:xfrm>
-            <a:off x="569518" y="4228289"/>
+            <a:off x="441701" y="4228289"/>
             <a:ext cx="5628711" cy="1751793"/>
           </a:xfrm>
           <a:prstGeom prst="rect">
@@ -4762,7 +5198,7 @@
         </p:blipFill>
         <p:spPr>
           <a:xfrm>
-            <a:off x="6360718" y="4371016"/>
+            <a:off x="6232901" y="4371016"/>
             <a:ext cx="5628711" cy="1466338"/>
           </a:xfrm>
           <a:prstGeom prst="rect">
@@ -4770,6 +5206,170 @@
           </a:prstGeom>
         </p:spPr>
       </p:pic>
+      <p:sp>
+        <p:nvSpPr>
+          <p:cNvPr id="2" name="TextBox 1">
+            <a:extLst>
+              <a:ext uri="{FF2B5EF4-FFF2-40B4-BE49-F238E27FC236}">
+                <a16:creationId xmlns:a16="http://schemas.microsoft.com/office/drawing/2014/main" id="{85899D52-BCD2-151B-792F-785DBD66D3CC}"/>
+              </a:ext>
+            </a:extLst>
+          </p:cNvPr>
+          <p:cNvSpPr txBox="1"/>
+          <p:nvPr/>
+        </p:nvSpPr>
+        <p:spPr>
+          <a:xfrm>
+            <a:off x="909393" y="3375412"/>
+            <a:ext cx="4773652" cy="253916"/>
+          </a:xfrm>
+          <a:prstGeom prst="rect">
+            <a:avLst/>
+          </a:prstGeom>
+          <a:noFill/>
+        </p:spPr>
+        <p:txBody>
+          <a:bodyPr wrap="square" rtlCol="0">
+            <a:spAutoFit/>
+          </a:bodyPr>
+          <a:lstStyle/>
+          <a:p>
+            <a:r>
+              <a:rPr lang="en-GB" sz="1050" dirty="0">
+                <a:solidFill>
+                  <a:schemeClr val="accent1">
+                    <a:lumMod val="75000"/>
+                  </a:schemeClr>
+                </a:solidFill>
+              </a:rPr>
+              <a:t>Smart Home feature model, recreation of a model initially created using SPLOT.</a:t>
+            </a:r>
+          </a:p>
+        </p:txBody>
+      </p:sp>
+      <p:sp>
+        <p:nvSpPr>
+          <p:cNvPr id="4" name="TextBox 3">
+            <a:extLst>
+              <a:ext uri="{FF2B5EF4-FFF2-40B4-BE49-F238E27FC236}">
+                <a16:creationId xmlns:a16="http://schemas.microsoft.com/office/drawing/2014/main" id="{6A626B66-CAF8-1CBC-EA2D-F75E5DFFB8AA}"/>
+              </a:ext>
+            </a:extLst>
+          </p:cNvPr>
+          <p:cNvSpPr txBox="1"/>
+          <p:nvPr/>
+        </p:nvSpPr>
+        <p:spPr>
+          <a:xfrm>
+            <a:off x="6591751" y="3375412"/>
+            <a:ext cx="5069307" cy="253916"/>
+          </a:xfrm>
+          <a:prstGeom prst="rect">
+            <a:avLst/>
+          </a:prstGeom>
+          <a:noFill/>
+        </p:spPr>
+        <p:txBody>
+          <a:bodyPr wrap="square" rtlCol="0">
+            <a:spAutoFit/>
+          </a:bodyPr>
+          <a:lstStyle/>
+          <a:p>
+            <a:r>
+              <a:rPr lang="en-GB" sz="1050" dirty="0">
+                <a:solidFill>
+                  <a:schemeClr val="accent1">
+                    <a:lumMod val="75000"/>
+                  </a:schemeClr>
+                </a:solidFill>
+              </a:rPr>
+              <a:t>PC feature model to intuitively demonstrate the language of feature model diagrams.</a:t>
+            </a:r>
+          </a:p>
+        </p:txBody>
+      </p:sp>
+      <p:sp>
+        <p:nvSpPr>
+          <p:cNvPr id="5" name="TextBox 4">
+            <a:extLst>
+              <a:ext uri="{FF2B5EF4-FFF2-40B4-BE49-F238E27FC236}">
+                <a16:creationId xmlns:a16="http://schemas.microsoft.com/office/drawing/2014/main" id="{152D79E5-DACC-8A52-EB17-DEE4A9ECB301}"/>
+              </a:ext>
+            </a:extLst>
+          </p:cNvPr>
+          <p:cNvSpPr txBox="1"/>
+          <p:nvPr/>
+        </p:nvSpPr>
+        <p:spPr>
+          <a:xfrm>
+            <a:off x="1056042" y="6009578"/>
+            <a:ext cx="4400026" cy="253916"/>
+          </a:xfrm>
+          <a:prstGeom prst="rect">
+            <a:avLst/>
+          </a:prstGeom>
+          <a:noFill/>
+        </p:spPr>
+        <p:txBody>
+          <a:bodyPr wrap="square" rtlCol="0">
+            <a:spAutoFit/>
+          </a:bodyPr>
+          <a:lstStyle/>
+          <a:p>
+            <a:r>
+              <a:rPr lang="en-GB" sz="1050" dirty="0">
+                <a:solidFill>
+                  <a:schemeClr val="accent1">
+                    <a:lumMod val="75000"/>
+                  </a:schemeClr>
+                </a:solidFill>
+              </a:rPr>
+              <a:t>Advanced extension of the simple E-Shop model found in previous slides.</a:t>
+            </a:r>
+          </a:p>
+        </p:txBody>
+      </p:sp>
+      <p:sp>
+        <p:nvSpPr>
+          <p:cNvPr id="8" name="TextBox 7">
+            <a:extLst>
+              <a:ext uri="{FF2B5EF4-FFF2-40B4-BE49-F238E27FC236}">
+                <a16:creationId xmlns:a16="http://schemas.microsoft.com/office/drawing/2014/main" id="{CB5CF200-23BE-9F2F-6AD9-93530D944651}"/>
+              </a:ext>
+            </a:extLst>
+          </p:cNvPr>
+          <p:cNvSpPr txBox="1"/>
+          <p:nvPr/>
+        </p:nvSpPr>
+        <p:spPr>
+          <a:xfrm>
+            <a:off x="6535634" y="6009578"/>
+            <a:ext cx="5181540" cy="253916"/>
+          </a:xfrm>
+          <a:prstGeom prst="rect">
+            <a:avLst/>
+          </a:prstGeom>
+          <a:noFill/>
+        </p:spPr>
+        <p:txBody>
+          <a:bodyPr wrap="square" rtlCol="0">
+            <a:spAutoFit/>
+          </a:bodyPr>
+          <a:lstStyle/>
+          <a:p>
+            <a:r>
+              <a:rPr lang="en-GB" sz="1050" dirty="0">
+                <a:solidFill>
+                  <a:schemeClr val="accent1">
+                    <a:lumMod val="75000"/>
+                  </a:schemeClr>
+                </a:solidFill>
+              </a:rPr>
+              <a:t>Car feature model to intuitively demonstrate the language of feature model diagrams.</a:t>
+            </a:r>
+          </a:p>
+        </p:txBody>
+      </p:sp>
     </p:spTree>
     <p:extLst>
       <p:ext uri="{BB962C8B-B14F-4D97-AF65-F5344CB8AC3E}">
@@ -4848,21 +5448,26 @@
           </a:lstStyle>
           <a:p>
             <a:r>
-              <a:rPr lang="en-GB" sz="2800" dirty="0">
+              <a:rPr lang="en-GB" sz="2800" b="1" dirty="0">
+                <a:solidFill>
+                  <a:schemeClr val="accent1">
+                    <a:lumMod val="75000"/>
+                  </a:schemeClr>
+                </a:solidFill>
                 <a:ea typeface="+mn-ea"/>
                 <a:cs typeface="+mn-cs"/>
               </a:rPr>
-              <a:t>Usage screenshots:</a:t>
+              <a:t>Limitations:</a:t>
             </a:r>
           </a:p>
         </p:txBody>
       </p:sp>
       <p:pic>
         <p:nvPicPr>
-          <p:cNvPr id="5" name="Picture 4">
-            <a:extLst>
-              <a:ext uri="{FF2B5EF4-FFF2-40B4-BE49-F238E27FC236}">
-                <a16:creationId xmlns:a16="http://schemas.microsoft.com/office/drawing/2014/main" id="{17D84C95-2660-9CE7-CA65-D676FDDBFBD9}"/>
+          <p:cNvPr id="4" name="Picture 3" descr="A diagram of a diagram&#10;&#10;Description automatically generated">
+            <a:extLst>
+              <a:ext uri="{FF2B5EF4-FFF2-40B4-BE49-F238E27FC236}">
+                <a16:creationId xmlns:a16="http://schemas.microsoft.com/office/drawing/2014/main" id="{B92FB15D-AF59-4E08-6AC2-90B2D9FD79B5}"/>
               </a:ext>
             </a:extLst>
           </p:cNvPr>
@@ -4872,27 +5477,332 @@
           <p:nvPr/>
         </p:nvPicPr>
         <p:blipFill>
-          <a:blip r:embed="rId2"/>
+          <a:blip r:embed="rId2">
+            <a:extLst>
+              <a:ext uri="{28A0092B-C50C-407E-A947-70E740481C1C}">
+                <a14:useLocalDpi xmlns:a14="http://schemas.microsoft.com/office/drawing/2010/main" val="0"/>
+              </a:ext>
+            </a:extLst>
+          </a:blip>
           <a:stretch>
             <a:fillRect/>
           </a:stretch>
         </p:blipFill>
         <p:spPr>
           <a:xfrm>
-            <a:off x="6350540" y="1095820"/>
-            <a:ext cx="5512340" cy="2820325"/>
+            <a:off x="5059583" y="3615815"/>
+            <a:ext cx="6867610" cy="2396820"/>
           </a:xfrm>
           <a:prstGeom prst="rect">
             <a:avLst/>
           </a:prstGeom>
         </p:spPr>
       </p:pic>
+      <p:sp>
+        <p:nvSpPr>
+          <p:cNvPr id="6" name="Text Placeholder 3">
+            <a:extLst>
+              <a:ext uri="{FF2B5EF4-FFF2-40B4-BE49-F238E27FC236}">
+                <a16:creationId xmlns:a16="http://schemas.microsoft.com/office/drawing/2014/main" id="{0BDD7380-F98B-E49B-C582-D739748E1FCD}"/>
+              </a:ext>
+            </a:extLst>
+          </p:cNvPr>
+          <p:cNvSpPr txBox="1">
+            <a:spLocks/>
+          </p:cNvSpPr>
+          <p:nvPr/>
+        </p:nvSpPr>
+        <p:spPr>
+          <a:xfrm>
+            <a:off x="838200" y="1340533"/>
+            <a:ext cx="4038600" cy="4784964"/>
+          </a:xfrm>
+          <a:prstGeom prst="rect">
+            <a:avLst/>
+          </a:prstGeom>
+        </p:spPr>
+        <p:txBody>
+          <a:bodyPr/>
+          <a:lstStyle>
+            <a:lvl1pPr marL="228600" indent="-228600" algn="l" defTabSz="914400" rtl="0" eaLnBrk="1" latinLnBrk="0" hangingPunct="1">
+              <a:lnSpc>
+                <a:spcPct val="90000"/>
+              </a:lnSpc>
+              <a:spcBef>
+                <a:spcPts val="1000"/>
+              </a:spcBef>
+              <a:buFont typeface="Arial" panose="020B0604020202020204" pitchFamily="34" charset="0"/>
+              <a:buChar char="•"/>
+              <a:defRPr sz="2800" kern="1200">
+                <a:solidFill>
+                  <a:schemeClr val="tx1"/>
+                </a:solidFill>
+                <a:latin typeface="+mn-lt"/>
+                <a:ea typeface="+mn-ea"/>
+                <a:cs typeface="+mn-cs"/>
+              </a:defRPr>
+            </a:lvl1pPr>
+            <a:lvl2pPr marL="685800" indent="-228600" algn="l" defTabSz="914400" rtl="0" eaLnBrk="1" latinLnBrk="0" hangingPunct="1">
+              <a:lnSpc>
+                <a:spcPct val="90000"/>
+              </a:lnSpc>
+              <a:spcBef>
+                <a:spcPts val="500"/>
+              </a:spcBef>
+              <a:buFont typeface="Arial" panose="020B0604020202020204" pitchFamily="34" charset="0"/>
+              <a:buChar char="•"/>
+              <a:defRPr sz="2400" kern="1200">
+                <a:solidFill>
+                  <a:schemeClr val="tx1"/>
+                </a:solidFill>
+                <a:latin typeface="+mn-lt"/>
+                <a:ea typeface="+mn-ea"/>
+                <a:cs typeface="+mn-cs"/>
+              </a:defRPr>
+            </a:lvl2pPr>
+            <a:lvl3pPr marL="1143000" indent="-228600" algn="l" defTabSz="914400" rtl="0" eaLnBrk="1" latinLnBrk="0" hangingPunct="1">
+              <a:lnSpc>
+                <a:spcPct val="90000"/>
+              </a:lnSpc>
+              <a:spcBef>
+                <a:spcPts val="500"/>
+              </a:spcBef>
+              <a:buFont typeface="Arial" panose="020B0604020202020204" pitchFamily="34" charset="0"/>
+              <a:buChar char="•"/>
+              <a:defRPr sz="2000" kern="1200">
+                <a:solidFill>
+                  <a:schemeClr val="tx1"/>
+                </a:solidFill>
+                <a:latin typeface="+mn-lt"/>
+                <a:ea typeface="+mn-ea"/>
+                <a:cs typeface="+mn-cs"/>
+              </a:defRPr>
+            </a:lvl3pPr>
+            <a:lvl4pPr marL="1600200" indent="-228600" algn="l" defTabSz="914400" rtl="0" eaLnBrk="1" latinLnBrk="0" hangingPunct="1">
+              <a:lnSpc>
+                <a:spcPct val="90000"/>
+              </a:lnSpc>
+              <a:spcBef>
+                <a:spcPts val="500"/>
+              </a:spcBef>
+              <a:buFont typeface="Arial" panose="020B0604020202020204" pitchFamily="34" charset="0"/>
+              <a:buChar char="•"/>
+              <a:defRPr sz="1800" kern="1200">
+                <a:solidFill>
+                  <a:schemeClr val="tx1"/>
+                </a:solidFill>
+                <a:latin typeface="+mn-lt"/>
+                <a:ea typeface="+mn-ea"/>
+                <a:cs typeface="+mn-cs"/>
+              </a:defRPr>
+            </a:lvl4pPr>
+            <a:lvl5pPr marL="2057400" indent="-228600" algn="l" defTabSz="914400" rtl="0" eaLnBrk="1" latinLnBrk="0" hangingPunct="1">
+              <a:lnSpc>
+                <a:spcPct val="90000"/>
+              </a:lnSpc>
+              <a:spcBef>
+                <a:spcPts val="500"/>
+              </a:spcBef>
+              <a:buFont typeface="Arial" panose="020B0604020202020204" pitchFamily="34" charset="0"/>
+              <a:buChar char="•"/>
+              <a:defRPr sz="1800" kern="1200">
+                <a:solidFill>
+                  <a:schemeClr val="tx1"/>
+                </a:solidFill>
+                <a:latin typeface="+mn-lt"/>
+                <a:ea typeface="+mn-ea"/>
+                <a:cs typeface="+mn-cs"/>
+              </a:defRPr>
+            </a:lvl5pPr>
+            <a:lvl6pPr marL="2514600" indent="-228600" algn="l" defTabSz="914400" rtl="0" eaLnBrk="1" latinLnBrk="0" hangingPunct="1">
+              <a:lnSpc>
+                <a:spcPct val="90000"/>
+              </a:lnSpc>
+              <a:spcBef>
+                <a:spcPts val="500"/>
+              </a:spcBef>
+              <a:buFont typeface="Arial" panose="020B0604020202020204" pitchFamily="34" charset="0"/>
+              <a:buChar char="•"/>
+              <a:defRPr sz="1800" kern="1200">
+                <a:solidFill>
+                  <a:schemeClr val="tx1"/>
+                </a:solidFill>
+                <a:latin typeface="+mn-lt"/>
+                <a:ea typeface="+mn-ea"/>
+                <a:cs typeface="+mn-cs"/>
+              </a:defRPr>
+            </a:lvl6pPr>
+            <a:lvl7pPr marL="2971800" indent="-228600" algn="l" defTabSz="914400" rtl="0" eaLnBrk="1" latinLnBrk="0" hangingPunct="1">
+              <a:lnSpc>
+                <a:spcPct val="90000"/>
+              </a:lnSpc>
+              <a:spcBef>
+                <a:spcPts val="500"/>
+              </a:spcBef>
+              <a:buFont typeface="Arial" panose="020B0604020202020204" pitchFamily="34" charset="0"/>
+              <a:buChar char="•"/>
+              <a:defRPr sz="1800" kern="1200">
+                <a:solidFill>
+                  <a:schemeClr val="tx1"/>
+                </a:solidFill>
+                <a:latin typeface="+mn-lt"/>
+                <a:ea typeface="+mn-ea"/>
+                <a:cs typeface="+mn-cs"/>
+              </a:defRPr>
+            </a:lvl7pPr>
+            <a:lvl8pPr marL="3429000" indent="-228600" algn="l" defTabSz="914400" rtl="0" eaLnBrk="1" latinLnBrk="0" hangingPunct="1">
+              <a:lnSpc>
+                <a:spcPct val="90000"/>
+              </a:lnSpc>
+              <a:spcBef>
+                <a:spcPts val="500"/>
+              </a:spcBef>
+              <a:buFont typeface="Arial" panose="020B0604020202020204" pitchFamily="34" charset="0"/>
+              <a:buChar char="•"/>
+              <a:defRPr sz="1800" kern="1200">
+                <a:solidFill>
+                  <a:schemeClr val="tx1"/>
+                </a:solidFill>
+                <a:latin typeface="+mn-lt"/>
+                <a:ea typeface="+mn-ea"/>
+                <a:cs typeface="+mn-cs"/>
+              </a:defRPr>
+            </a:lvl8pPr>
+            <a:lvl9pPr marL="3886200" indent="-228600" algn="l" defTabSz="914400" rtl="0" eaLnBrk="1" latinLnBrk="0" hangingPunct="1">
+              <a:lnSpc>
+                <a:spcPct val="90000"/>
+              </a:lnSpc>
+              <a:spcBef>
+                <a:spcPts val="500"/>
+              </a:spcBef>
+              <a:buFont typeface="Arial" panose="020B0604020202020204" pitchFamily="34" charset="0"/>
+              <a:buChar char="•"/>
+              <a:defRPr sz="1800" kern="1200">
+                <a:solidFill>
+                  <a:schemeClr val="tx1"/>
+                </a:solidFill>
+                <a:latin typeface="+mn-lt"/>
+                <a:ea typeface="+mn-ea"/>
+                <a:cs typeface="+mn-cs"/>
+              </a:defRPr>
+            </a:lvl9pPr>
+          </a:lstStyle>
+          <a:p>
+            <a:pPr marL="285750" indent="-285750"/>
+            <a:r>
+              <a:rPr lang="en-GB" sz="1800" dirty="0">
+                <a:solidFill>
+                  <a:schemeClr val="accent1">
+                    <a:lumMod val="75000"/>
+                  </a:schemeClr>
+                </a:solidFill>
+              </a:rPr>
+              <a:t>Large models can become visually cluttered when constraints are added (see right).</a:t>
+            </a:r>
+          </a:p>
+          <a:p>
+            <a:pPr marL="742950" lvl="1" indent="-285750"/>
+            <a:r>
+              <a:rPr lang="en-GB" sz="1400" dirty="0">
+                <a:solidFill>
+                  <a:schemeClr val="accent1">
+                    <a:lumMod val="75000"/>
+                  </a:schemeClr>
+                </a:solidFill>
+              </a:rPr>
+              <a:t>Difficult to mitigate, requires thoughtful model design.</a:t>
+            </a:r>
+          </a:p>
+          <a:p>
+            <a:pPr marL="285750" indent="-285750"/>
+            <a:r>
+              <a:rPr lang="en-GB" sz="1800" dirty="0">
+                <a:solidFill>
+                  <a:schemeClr val="accent1">
+                    <a:lumMod val="75000"/>
+                  </a:schemeClr>
+                </a:solidFill>
+              </a:rPr>
+              <a:t>Number of possible configurations grows exponentially, slowing analysis on feature-dense models.</a:t>
+            </a:r>
+          </a:p>
+          <a:p>
+            <a:pPr marL="742950" lvl="1" indent="-285750"/>
+            <a:r>
+              <a:rPr lang="en-GB" sz="1400" dirty="0">
+                <a:solidFill>
+                  <a:schemeClr val="accent1">
+                    <a:lumMod val="75000"/>
+                  </a:schemeClr>
+                </a:solidFill>
+              </a:rPr>
+              <a:t>Prevented by more advanced heuristics or alternate analysis method.</a:t>
+            </a:r>
+          </a:p>
+          <a:p>
+            <a:pPr marL="285750" indent="-285750"/>
+            <a:r>
+              <a:rPr lang="en-GB" sz="1800" dirty="0">
+                <a:solidFill>
+                  <a:schemeClr val="accent1">
+                    <a:lumMod val="75000"/>
+                  </a:schemeClr>
+                </a:solidFill>
+              </a:rPr>
+              <a:t>Lack of asynchronous job support in       Ruby on Rails means lengthy analysis hogs server resources until complete.</a:t>
+            </a:r>
+          </a:p>
+          <a:p>
+            <a:pPr marL="742950" lvl="1" indent="-285750"/>
+            <a:r>
+              <a:rPr lang="en-GB" sz="1400" dirty="0">
+                <a:solidFill>
+                  <a:schemeClr val="accent1">
+                    <a:lumMod val="75000"/>
+                  </a:schemeClr>
+                </a:solidFill>
+              </a:rPr>
+              <a:t>Porting to an asynchronous framework like Node.js could enable cancellation of analysis.</a:t>
+            </a:r>
+          </a:p>
+          <a:p>
+            <a:pPr marL="742950" lvl="1" indent="-285750"/>
+            <a:endParaRPr lang="en-GB" sz="1400" dirty="0">
+              <a:solidFill>
+                <a:schemeClr val="accent1">
+                  <a:lumMod val="75000"/>
+                </a:schemeClr>
+              </a:solidFill>
+            </a:endParaRPr>
+          </a:p>
+          <a:p>
+            <a:pPr marL="285750" indent="-285750"/>
+            <a:endParaRPr lang="en-GB" sz="1800" dirty="0">
+              <a:solidFill>
+                <a:schemeClr val="accent1">
+                  <a:lumMod val="75000"/>
+                </a:schemeClr>
+              </a:solidFill>
+            </a:endParaRPr>
+          </a:p>
+          <a:p>
+            <a:pPr marL="285750" indent="-285750"/>
+            <a:endParaRPr lang="en-GB" sz="1800" dirty="0">
+              <a:solidFill>
+                <a:schemeClr val="accent1">
+                  <a:lumMod val="75000"/>
+                </a:schemeClr>
+              </a:solidFill>
+            </a:endParaRPr>
+          </a:p>
+        </p:txBody>
+      </p:sp>
       <p:pic>
         <p:nvPicPr>
-          <p:cNvPr id="7" name="Picture 6">
-            <a:extLst>
-              <a:ext uri="{FF2B5EF4-FFF2-40B4-BE49-F238E27FC236}">
-                <a16:creationId xmlns:a16="http://schemas.microsoft.com/office/drawing/2014/main" id="{12AFE85F-D464-BBFE-A19E-C360221465D0}"/>
+          <p:cNvPr id="10" name="Picture 9" descr="A diagram of a flowchart&#10;&#10;Description automatically generated">
+            <a:extLst>
+              <a:ext uri="{FF2B5EF4-FFF2-40B4-BE49-F238E27FC236}">
+                <a16:creationId xmlns:a16="http://schemas.microsoft.com/office/drawing/2014/main" id="{7F10ECA1-9456-7D08-CFA2-15A41B76C7E5}"/>
               </a:ext>
             </a:extLst>
           </p:cNvPr>
@@ -4902,86 +5812,109 @@
           <p:nvPr/>
         </p:nvPicPr>
         <p:blipFill>
-          <a:blip r:embed="rId3"/>
+          <a:blip r:embed="rId3">
+            <a:extLst>
+              <a:ext uri="{28A0092B-C50C-407E-A947-70E740481C1C}">
+                <a14:useLocalDpi xmlns:a14="http://schemas.microsoft.com/office/drawing/2010/main" val="0"/>
+              </a:ext>
+            </a:extLst>
+          </a:blip>
           <a:stretch>
             <a:fillRect/>
           </a:stretch>
         </p:blipFill>
         <p:spPr>
           <a:xfrm>
-            <a:off x="523673" y="1089497"/>
-            <a:ext cx="5512340" cy="2826648"/>
+            <a:off x="5059583" y="1072835"/>
+            <a:ext cx="6867610" cy="2139855"/>
           </a:xfrm>
           <a:prstGeom prst="rect">
             <a:avLst/>
           </a:prstGeom>
         </p:spPr>
       </p:pic>
-      <p:pic>
-        <p:nvPicPr>
-          <p:cNvPr id="9" name="Picture 8">
-            <a:extLst>
-              <a:ext uri="{FF2B5EF4-FFF2-40B4-BE49-F238E27FC236}">
-                <a16:creationId xmlns:a16="http://schemas.microsoft.com/office/drawing/2014/main" id="{DDC602C2-C004-D62B-3C22-E06945F47DCD}"/>
-              </a:ext>
-            </a:extLst>
-          </p:cNvPr>
-          <p:cNvPicPr>
-            <a:picLocks noChangeAspect="1"/>
-          </p:cNvPicPr>
+      <p:sp>
+        <p:nvSpPr>
+          <p:cNvPr id="12" name="TextBox 11">
+            <a:extLst>
+              <a:ext uri="{FF2B5EF4-FFF2-40B4-BE49-F238E27FC236}">
+                <a16:creationId xmlns:a16="http://schemas.microsoft.com/office/drawing/2014/main" id="{64D8A8D4-9AD9-91E1-6A0E-8ACCFF48DC76}"/>
+              </a:ext>
+            </a:extLst>
+          </p:cNvPr>
+          <p:cNvSpPr txBox="1"/>
           <p:nvPr/>
-        </p:nvPicPr>
-        <p:blipFill>
-          <a:blip r:embed="rId4"/>
-          <a:stretch>
-            <a:fillRect/>
-          </a:stretch>
-        </p:blipFill>
+        </p:nvSpPr>
         <p:spPr>
           <a:xfrm>
-            <a:off x="523673" y="3971269"/>
-            <a:ext cx="5512340" cy="2829365"/>
+            <a:off x="5499465" y="3212690"/>
+            <a:ext cx="5854335" cy="253916"/>
           </a:xfrm>
           <a:prstGeom prst="rect">
             <a:avLst/>
           </a:prstGeom>
+          <a:noFill/>
         </p:spPr>
-      </p:pic>
-      <p:pic>
-        <p:nvPicPr>
-          <p:cNvPr id="11" name="Picture 10">
-            <a:extLst>
-              <a:ext uri="{FF2B5EF4-FFF2-40B4-BE49-F238E27FC236}">
-                <a16:creationId xmlns:a16="http://schemas.microsoft.com/office/drawing/2014/main" id="{9CF7616C-AFCB-65EF-69B2-ABDB070A6802}"/>
-              </a:ext>
-            </a:extLst>
-          </p:cNvPr>
-          <p:cNvPicPr>
-            <a:picLocks noChangeAspect="1"/>
-          </p:cNvPicPr>
+        <p:txBody>
+          <a:bodyPr wrap="square" rtlCol="0">
+            <a:spAutoFit/>
+          </a:bodyPr>
+          <a:lstStyle/>
+          <a:p>
+            <a:r>
+              <a:rPr lang="en-GB" sz="1050" dirty="0">
+                <a:solidFill>
+                  <a:schemeClr val="accent1">
+                    <a:lumMod val="75000"/>
+                  </a:schemeClr>
+                </a:solidFill>
+              </a:rPr>
+              <a:t>Complex Bike Shop feature model with 39 features and 549,755,813,888 configurations to check.</a:t>
+            </a:r>
+          </a:p>
+        </p:txBody>
+      </p:sp>
+      <p:sp>
+        <p:nvSpPr>
+          <p:cNvPr id="13" name="TextBox 12">
+            <a:extLst>
+              <a:ext uri="{FF2B5EF4-FFF2-40B4-BE49-F238E27FC236}">
+                <a16:creationId xmlns:a16="http://schemas.microsoft.com/office/drawing/2014/main" id="{65B08827-FE54-BB29-382E-E69169BF65E2}"/>
+              </a:ext>
+            </a:extLst>
+          </p:cNvPr>
+          <p:cNvSpPr txBox="1"/>
           <p:nvPr/>
-        </p:nvPicPr>
-        <p:blipFill>
-          <a:blip r:embed="rId5">
-            <a:extLst>
-              <a:ext uri="{28A0092B-C50C-407E-A947-70E740481C1C}">
-                <a14:useLocalDpi xmlns:a14="http://schemas.microsoft.com/office/drawing/2010/main" val="0"/>
-              </a:ext>
-            </a:extLst>
-          </a:blip>
-          <a:srcRect/>
-          <a:stretch/>
-        </p:blipFill>
+        </p:nvSpPr>
         <p:spPr>
           <a:xfrm>
-            <a:off x="6356830" y="3971270"/>
-            <a:ext cx="5499760" cy="2810262"/>
+            <a:off x="5764934" y="6130625"/>
+            <a:ext cx="5266859" cy="253916"/>
           </a:xfrm>
           <a:prstGeom prst="rect">
             <a:avLst/>
           </a:prstGeom>
+          <a:noFill/>
         </p:spPr>
-      </p:pic>
+        <p:txBody>
+          <a:bodyPr wrap="square" rtlCol="0">
+            <a:spAutoFit/>
+          </a:bodyPr>
+          <a:lstStyle/>
+          <a:p>
+            <a:r>
+              <a:rPr lang="en-GB" sz="1050" dirty="0">
+                <a:solidFill>
+                  <a:schemeClr val="accent1">
+                    <a:lumMod val="75000"/>
+                  </a:schemeClr>
+                </a:solidFill>
+              </a:rPr>
+              <a:t>Above Bike Shop feature model, visually cluttered by numerous Cross-Tree Constraints.</a:t>
+            </a:r>
+          </a:p>
+        </p:txBody>
+      </p:sp>
     </p:spTree>
     <p:extLst>
       <p:ext uri="{BB962C8B-B14F-4D97-AF65-F5344CB8AC3E}">
